--- a/learn-bizapps-pr/power-bi/get-data-power-bi/media_layered/source-graphics.pptx
+++ b/learn-bizapps-pr/power-bi/get-data-power-bi/media_layered/source-graphics.pptx
@@ -311,7 +311,7 @@
           <a:p>
             <a:fld id="{724BEE45-A53B-47BE-8884-2212FAA37892}" type="datetimeFigureOut">
               <a:rPr lang="en-US" smtClean="0"/>
-              <a:t>7/25/2019</a:t>
+              <a:t>3/22/2020</a:t>
             </a:fld>
             <a:endParaRPr lang="en-US"/>
           </a:p>
@@ -509,7 +509,7 @@
           <a:p>
             <a:fld id="{724BEE45-A53B-47BE-8884-2212FAA37892}" type="datetimeFigureOut">
               <a:rPr lang="en-US" smtClean="0"/>
-              <a:t>7/25/2019</a:t>
+              <a:t>3/22/2020</a:t>
             </a:fld>
             <a:endParaRPr lang="en-US"/>
           </a:p>
@@ -717,7 +717,7 @@
           <a:p>
             <a:fld id="{724BEE45-A53B-47BE-8884-2212FAA37892}" type="datetimeFigureOut">
               <a:rPr lang="en-US" smtClean="0"/>
-              <a:t>7/25/2019</a:t>
+              <a:t>3/22/2020</a:t>
             </a:fld>
             <a:endParaRPr lang="en-US"/>
           </a:p>
@@ -915,7 +915,7 @@
           <a:p>
             <a:fld id="{724BEE45-A53B-47BE-8884-2212FAA37892}" type="datetimeFigureOut">
               <a:rPr lang="en-US" smtClean="0"/>
-              <a:t>7/25/2019</a:t>
+              <a:t>3/22/2020</a:t>
             </a:fld>
             <a:endParaRPr lang="en-US"/>
           </a:p>
@@ -1190,7 +1190,7 @@
           <a:p>
             <a:fld id="{724BEE45-A53B-47BE-8884-2212FAA37892}" type="datetimeFigureOut">
               <a:rPr lang="en-US" smtClean="0"/>
-              <a:t>7/25/2019</a:t>
+              <a:t>3/22/2020</a:t>
             </a:fld>
             <a:endParaRPr lang="en-US"/>
           </a:p>
@@ -1455,7 +1455,7 @@
           <a:p>
             <a:fld id="{724BEE45-A53B-47BE-8884-2212FAA37892}" type="datetimeFigureOut">
               <a:rPr lang="en-US" smtClean="0"/>
-              <a:t>7/25/2019</a:t>
+              <a:t>3/22/2020</a:t>
             </a:fld>
             <a:endParaRPr lang="en-US"/>
           </a:p>
@@ -1867,7 +1867,7 @@
           <a:p>
             <a:fld id="{724BEE45-A53B-47BE-8884-2212FAA37892}" type="datetimeFigureOut">
               <a:rPr lang="en-US" smtClean="0"/>
-              <a:t>7/25/2019</a:t>
+              <a:t>3/22/2020</a:t>
             </a:fld>
             <a:endParaRPr lang="en-US"/>
           </a:p>
@@ -2008,7 +2008,7 @@
           <a:p>
             <a:fld id="{724BEE45-A53B-47BE-8884-2212FAA37892}" type="datetimeFigureOut">
               <a:rPr lang="en-US" smtClean="0"/>
-              <a:t>7/25/2019</a:t>
+              <a:t>3/22/2020</a:t>
             </a:fld>
             <a:endParaRPr lang="en-US"/>
           </a:p>
@@ -2121,7 +2121,7 @@
           <a:p>
             <a:fld id="{724BEE45-A53B-47BE-8884-2212FAA37892}" type="datetimeFigureOut">
               <a:rPr lang="en-US" smtClean="0"/>
-              <a:t>7/25/2019</a:t>
+              <a:t>3/22/2020</a:t>
             </a:fld>
             <a:endParaRPr lang="en-US"/>
           </a:p>
@@ -2432,7 +2432,7 @@
           <a:p>
             <a:fld id="{724BEE45-A53B-47BE-8884-2212FAA37892}" type="datetimeFigureOut">
               <a:rPr lang="en-US" smtClean="0"/>
-              <a:t>7/25/2019</a:t>
+              <a:t>3/22/2020</a:t>
             </a:fld>
             <a:endParaRPr lang="en-US"/>
           </a:p>
@@ -2720,7 +2720,7 @@
           <a:p>
             <a:fld id="{724BEE45-A53B-47BE-8884-2212FAA37892}" type="datetimeFigureOut">
               <a:rPr lang="en-US" smtClean="0"/>
-              <a:t>7/25/2019</a:t>
+              <a:t>3/22/2020</a:t>
             </a:fld>
             <a:endParaRPr lang="en-US"/>
           </a:p>
@@ -2961,7 +2961,7 @@
           <a:p>
             <a:fld id="{724BEE45-A53B-47BE-8884-2212FAA37892}" type="datetimeFigureOut">
               <a:rPr lang="en-US" smtClean="0"/>
-              <a:t>7/25/2019</a:t>
+              <a:t>3/22/2020</a:t>
             </a:fld>
             <a:endParaRPr lang="en-US"/>
           </a:p>
@@ -51768,10 +51768,10 @@
       </p:grpSpPr>
       <p:pic>
         <p:nvPicPr>
-          <p:cNvPr id="6" name="Picture 5">
-            <a:extLst>
-              <a:ext uri="{FF2B5EF4-FFF2-40B4-BE49-F238E27FC236}">
-                <a16:creationId xmlns:a16="http://schemas.microsoft.com/office/drawing/2014/main" id="{FA0895A8-9A6F-439D-B136-163E5D2581A8}"/>
+          <p:cNvPr id="4" name="Picture 3">
+            <a:extLst>
+              <a:ext uri="{FF2B5EF4-FFF2-40B4-BE49-F238E27FC236}">
+                <a16:creationId xmlns:a16="http://schemas.microsoft.com/office/drawing/2014/main" id="{ED84F988-79BA-42FD-A687-AA0647E02388}"/>
               </a:ext>
             </a:extLst>
           </p:cNvPr>
@@ -51788,8 +51788,8 @@
         </p:blipFill>
         <p:spPr>
           <a:xfrm>
-            <a:off x="2537890" y="1557025"/>
-            <a:ext cx="7478169" cy="4467849"/>
+            <a:off x="2537889" y="1442725"/>
+            <a:ext cx="7478169" cy="4360063"/>
           </a:xfrm>
           <a:prstGeom prst="rect">
             <a:avLst/>
@@ -51810,7 +51810,7 @@
         </p:nvSpPr>
         <p:spPr>
           <a:xfrm>
-            <a:off x="5162550" y="2536029"/>
+            <a:off x="6467475" y="2562225"/>
             <a:ext cx="314325" cy="314325"/>
           </a:xfrm>
           <a:prstGeom prst="ellipse">
@@ -51934,7 +51934,7 @@
         </p:nvSpPr>
         <p:spPr>
           <a:xfrm>
-            <a:off x="4429125" y="5486399"/>
+            <a:off x="5715000" y="5277162"/>
             <a:ext cx="314325" cy="314325"/>
           </a:xfrm>
           <a:prstGeom prst="ellipse">
@@ -51996,7 +51996,7 @@
         </p:nvSpPr>
         <p:spPr>
           <a:xfrm>
-            <a:off x="7677150" y="3033711"/>
+            <a:off x="7831670" y="2993828"/>
             <a:ext cx="314325" cy="314325"/>
           </a:xfrm>
           <a:prstGeom prst="ellipse">
@@ -52058,7 +52058,7 @@
         </p:nvSpPr>
         <p:spPr>
           <a:xfrm>
-            <a:off x="8860892" y="3033711"/>
+            <a:off x="9015412" y="2993828"/>
             <a:ext cx="314325" cy="314325"/>
           </a:xfrm>
           <a:prstGeom prst="ellipse">
@@ -56043,10 +56043,10 @@
       </p:grpSpPr>
       <p:pic>
         <p:nvPicPr>
-          <p:cNvPr id="4" name="Picture 3">
-            <a:extLst>
-              <a:ext uri="{FF2B5EF4-FFF2-40B4-BE49-F238E27FC236}">
-                <a16:creationId xmlns:a16="http://schemas.microsoft.com/office/drawing/2014/main" id="{201AE50C-365F-4FC6-89E7-4015C21B4AB9}"/>
+          <p:cNvPr id="2" name="Picture 1">
+            <a:extLst>
+              <a:ext uri="{FF2B5EF4-FFF2-40B4-BE49-F238E27FC236}">
+                <a16:creationId xmlns:a16="http://schemas.microsoft.com/office/drawing/2014/main" id="{79403D09-D4BC-4C78-8283-833CA600A47F}"/>
               </a:ext>
             </a:extLst>
           </p:cNvPr>
@@ -56055,14 +56055,44 @@
           </p:cNvPicPr>
           <p:nvPr/>
         </p:nvPicPr>
+        <p:blipFill>
+          <a:blip r:embed="rId2"/>
+          <a:stretch>
+            <a:fillRect/>
+          </a:stretch>
+        </p:blipFill>
+        <p:spPr>
+          <a:xfrm>
+            <a:off x="173948" y="647555"/>
+            <a:ext cx="4601217" cy="4629796"/>
+          </a:xfrm>
+          <a:prstGeom prst="rect">
+            <a:avLst/>
+          </a:prstGeom>
+        </p:spPr>
+      </p:pic>
+      <p:pic>
+        <p:nvPicPr>
+          <p:cNvPr id="4" name="Picture 3">
+            <a:extLst>
+              <a:ext uri="{FF2B5EF4-FFF2-40B4-BE49-F238E27FC236}">
+                <a16:creationId xmlns:a16="http://schemas.microsoft.com/office/drawing/2014/main" id="{201AE50C-365F-4FC6-89E7-4015C21B4AB9}"/>
+              </a:ext>
+            </a:extLst>
+          </p:cNvPr>
+          <p:cNvPicPr>
+            <a:picLocks noChangeAspect="1"/>
+          </p:cNvPicPr>
+          <p:nvPr/>
+        </p:nvPicPr>
         <p:blipFill rotWithShape="1">
-          <a:blip r:embed="rId2"/>
+          <a:blip r:embed="rId3"/>
           <a:srcRect b="19385"/>
           <a:stretch/>
         </p:blipFill>
         <p:spPr>
           <a:xfrm>
-            <a:off x="348216" y="777758"/>
+            <a:off x="6863316" y="777758"/>
             <a:ext cx="4591691" cy="2211741"/>
           </a:xfrm>
           <a:prstGeom prst="rect">
@@ -56089,8 +56119,8 @@
         </p:nvSpPr>
         <p:spPr>
           <a:xfrm>
-            <a:off x="1091129" y="1006550"/>
-            <a:ext cx="421161" cy="683617"/>
+            <a:off x="952500" y="1016887"/>
+            <a:ext cx="485775" cy="674092"/>
           </a:xfrm>
           <a:prstGeom prst="rect">
             <a:avLst/>
@@ -56142,7 +56172,7 @@
           <p:nvPr/>
         </p:nvPicPr>
         <p:blipFill rotWithShape="1">
-          <a:blip r:embed="rId3">
+          <a:blip r:embed="rId4">
             <a:extLst>
               <a:ext uri="{28A0092B-C50C-407E-A947-70E740481C1C}">
                 <a14:useLocalDpi xmlns:a14="http://schemas.microsoft.com/office/drawing/2010/main" val="0"/>
@@ -56154,7 +56184,7 @@
         </p:blipFill>
         <p:spPr>
           <a:xfrm>
-            <a:off x="4775165" y="3868501"/>
+            <a:off x="4898990" y="3868502"/>
             <a:ext cx="7213790" cy="2677115"/>
           </a:xfrm>
           <a:prstGeom prst="rect">
@@ -56199,6 +56229,58 @@
               <a:rPr lang="en-US" dirty="0"/>
               <a:t>Mod 1, Unit 3:</a:t>
             </a:r>
+          </a:p>
+        </p:txBody>
+      </p:sp>
+      <p:sp>
+        <p:nvSpPr>
+          <p:cNvPr id="7" name="Rectangle 6">
+            <a:extLst>
+              <a:ext uri="{FF2B5EF4-FFF2-40B4-BE49-F238E27FC236}">
+                <a16:creationId xmlns:a16="http://schemas.microsoft.com/office/drawing/2014/main" id="{1718C760-B9ED-4E69-97BE-8F426509D94C}"/>
+              </a:ext>
+            </a:extLst>
+          </p:cNvPr>
+          <p:cNvSpPr/>
+          <p:nvPr/>
+        </p:nvSpPr>
+        <p:spPr>
+          <a:xfrm>
+            <a:off x="1185862" y="4865250"/>
+            <a:ext cx="947738" cy="268725"/>
+          </a:xfrm>
+          <a:prstGeom prst="rect">
+            <a:avLst/>
+          </a:prstGeom>
+          <a:noFill/>
+          <a:ln w="19050">
+            <a:solidFill>
+              <a:srgbClr val="C00000"/>
+            </a:solidFill>
+          </a:ln>
+        </p:spPr>
+        <p:style>
+          <a:lnRef idx="2">
+            <a:schemeClr val="accent1">
+              <a:shade val="50000"/>
+            </a:schemeClr>
+          </a:lnRef>
+          <a:fillRef idx="1">
+            <a:schemeClr val="accent1"/>
+          </a:fillRef>
+          <a:effectRef idx="0">
+            <a:schemeClr val="accent1"/>
+          </a:effectRef>
+          <a:fontRef idx="minor">
+            <a:schemeClr val="lt1"/>
+          </a:fontRef>
+        </p:style>
+        <p:txBody>
+          <a:bodyPr rtlCol="0" anchor="ctr"/>
+          <a:lstStyle/>
+          <a:p>
+            <a:pPr algn="ctr"/>
+            <a:endParaRPr lang="en-US" dirty="0"/>
           </a:p>
         </p:txBody>
       </p:sp>
